--- a/Präsentation2.pptx
+++ b/Präsentation2.pptx
@@ -5,7 +5,7 @@
     <p:sldMasterId id="2147483648" r:id="rId1"/>
   </p:sldMasterIdLst>
   <p:notesMasterIdLst>
-    <p:notesMasterId r:id="rId16"/>
+    <p:notesMasterId r:id="rId17"/>
   </p:notesMasterIdLst>
   <p:sldIdLst>
     <p:sldId id="256" r:id="rId2"/>
@@ -19,9 +19,10 @@
     <p:sldId id="267" r:id="rId10"/>
     <p:sldId id="268" r:id="rId11"/>
     <p:sldId id="269" r:id="rId12"/>
-    <p:sldId id="259" r:id="rId13"/>
-    <p:sldId id="262" r:id="rId14"/>
-    <p:sldId id="260" r:id="rId15"/>
+    <p:sldId id="270" r:id="rId13"/>
+    <p:sldId id="259" r:id="rId14"/>
+    <p:sldId id="262" r:id="rId15"/>
+    <p:sldId id="260" r:id="rId16"/>
   </p:sldIdLst>
   <p:sldSz cx="12192000" cy="6858000"/>
   <p:notesSz cx="6858000" cy="9144000"/>
@@ -789,7 +790,7 @@
           <a:p>
             <a:fld id="{CFBE08A1-5DB9-5F4A-9B9E-52FF014EAD59}" type="slidenum">
               <a:rPr lang="de-DE" smtClean="0"/>
-              <a:t>12</a:t>
+              <a:t>13</a:t>
             </a:fld>
             <a:endParaRPr lang="de-DE"/>
           </a:p>
@@ -873,7 +874,7 @@
           <a:p>
             <a:fld id="{CFBE08A1-5DB9-5F4A-9B9E-52FF014EAD59}" type="slidenum">
               <a:rPr lang="de-DE" smtClean="0"/>
-              <a:t>14</a:t>
+              <a:t>15</a:t>
             </a:fld>
             <a:endParaRPr lang="de-DE"/>
           </a:p>
@@ -4772,7 +4773,9 @@
         </p:nvSpPr>
         <p:spPr/>
         <p:txBody>
-          <a:bodyPr/>
+          <a:bodyPr>
+            <a:normAutofit fontScale="92500" lnSpcReduction="10000"/>
+          </a:bodyPr>
           <a:lstStyle/>
           <a:p>
             <a:r>
@@ -4888,8 +4891,178 @@
               <a:t>massen</a:t>
             </a:r>
             <a:r>
-              <a:rPr lang="de-DE"/>
+              <a:rPr lang="de-DE" dirty="0"/>
+              <a:t>. Warum ist das ganze nicht ausreichend? Andere </a:t>
+            </a:r>
+            <a:r>
+              <a:rPr lang="de-DE" dirty="0" err="1"/>
+              <a:t>Möglichketi</a:t>
+            </a:r>
+            <a:r>
+              <a:rPr lang="de-DE" dirty="0"/>
+              <a:t> wäre </a:t>
+            </a:r>
+            <a:r>
+              <a:rPr lang="de-DE" dirty="0" err="1"/>
+              <a:t>Majorana</a:t>
+            </a:r>
+            <a:r>
+              <a:rPr lang="de-DE" dirty="0"/>
               <a:t> </a:t>
+            </a:r>
+            <a:r>
+              <a:rPr lang="de-DE" dirty="0" err="1"/>
+              <a:t>masse</a:t>
+            </a:r>
+            <a:r>
+              <a:rPr lang="de-DE" dirty="0"/>
+              <a:t> mit </a:t>
+            </a:r>
+            <a:r>
+              <a:rPr lang="de-DE" dirty="0" err="1"/>
+              <a:t>L_majorana</a:t>
+            </a:r>
+            <a:r>
+              <a:rPr lang="de-DE" dirty="0"/>
+              <a:t> dieser </a:t>
+            </a:r>
+            <a:r>
+              <a:rPr lang="de-DE" dirty="0" err="1"/>
+              <a:t>masseterm</a:t>
+            </a:r>
+            <a:r>
+              <a:rPr lang="de-DE" dirty="0"/>
+              <a:t> </a:t>
+            </a:r>
+            <a:r>
+              <a:rPr lang="de-DE" dirty="0" err="1"/>
+              <a:t>ehält</a:t>
+            </a:r>
+            <a:r>
+              <a:rPr lang="de-DE" dirty="0"/>
+              <a:t> nicht die </a:t>
+            </a:r>
+            <a:r>
+              <a:rPr lang="de-DE" dirty="0" err="1"/>
+              <a:t>ladung</a:t>
+            </a:r>
+            <a:r>
+              <a:rPr lang="de-DE" dirty="0"/>
+              <a:t> und ist nicht eichinvariant aber nach elektroschwacher </a:t>
+            </a:r>
+            <a:r>
+              <a:rPr lang="de-DE" dirty="0" err="1"/>
+              <a:t>symmetriebrechung</a:t>
+            </a:r>
+            <a:r>
+              <a:rPr lang="de-DE" dirty="0"/>
+              <a:t> mit </a:t>
+            </a:r>
+            <a:r>
+              <a:rPr lang="de-DE" dirty="0" err="1"/>
+              <a:t>Higgs</a:t>
+            </a:r>
+            <a:r>
+              <a:rPr lang="de-DE" dirty="0"/>
+              <a:t> Term. </a:t>
+            </a:r>
+            <a:r>
+              <a:rPr lang="de-DE" dirty="0" err="1"/>
+              <a:t>Fdldoperator</a:t>
+            </a:r>
+            <a:r>
+              <a:rPr lang="de-DE" dirty="0"/>
+              <a:t> hat Dimension 5 also keine </a:t>
+            </a:r>
+            <a:r>
+              <a:rPr lang="de-DE" dirty="0" err="1"/>
+              <a:t>renormalisierte</a:t>
+            </a:r>
+            <a:r>
+              <a:rPr lang="de-DE" dirty="0"/>
+              <a:t> </a:t>
+            </a:r>
+            <a:r>
+              <a:rPr lang="de-DE" dirty="0" err="1"/>
+              <a:t>ww</a:t>
+            </a:r>
+            <a:r>
+              <a:rPr lang="de-DE" dirty="0"/>
+              <a:t> um </a:t>
+            </a:r>
+            <a:r>
+              <a:rPr lang="de-DE" dirty="0" err="1"/>
+              <a:t>rel</a:t>
+            </a:r>
+            <a:r>
+              <a:rPr lang="de-DE" dirty="0"/>
+              <a:t> wert für </a:t>
+            </a:r>
+            <a:r>
+              <a:rPr lang="de-DE" dirty="0" err="1"/>
+              <a:t>masse</a:t>
+            </a:r>
+            <a:r>
+              <a:rPr lang="de-DE" dirty="0"/>
+              <a:t> zu bekommen </a:t>
+            </a:r>
+            <a:r>
+              <a:rPr lang="de-DE" dirty="0" err="1"/>
+              <a:t>bracuht</a:t>
+            </a:r>
+            <a:r>
+              <a:rPr lang="de-DE" dirty="0"/>
+              <a:t> man sehr sehr schweres rechtshändiges </a:t>
+            </a:r>
+            <a:r>
+              <a:rPr lang="de-DE" dirty="0" err="1"/>
+              <a:t>neutrino</a:t>
+            </a:r>
+            <a:r>
+              <a:rPr lang="de-DE" dirty="0"/>
+              <a:t> </a:t>
+            </a:r>
+            <a:r>
+              <a:rPr lang="de-DE" dirty="0" err="1"/>
+              <a:t>teilchen</a:t>
+            </a:r>
+            <a:r>
+              <a:rPr lang="de-DE" dirty="0"/>
+              <a:t> was typ 1 </a:t>
+            </a:r>
+            <a:r>
+              <a:rPr lang="de-DE" dirty="0" err="1"/>
+              <a:t>see</a:t>
+            </a:r>
+            <a:r>
+              <a:rPr lang="de-DE" dirty="0"/>
+              <a:t> </a:t>
+            </a:r>
+            <a:r>
+              <a:rPr lang="de-DE" dirty="0" err="1"/>
+              <a:t>saw</a:t>
+            </a:r>
+            <a:r>
+              <a:rPr lang="de-DE" dirty="0"/>
+              <a:t> entspricht</a:t>
+            </a:r>
+          </a:p>
+          <a:p>
+            <a:r>
+              <a:rPr lang="de-DE" dirty="0" err="1"/>
+              <a:t>Higgs</a:t>
+            </a:r>
+            <a:r>
+              <a:rPr lang="de-DE" dirty="0"/>
+              <a:t> </a:t>
+            </a:r>
+            <a:r>
+              <a:rPr lang="de-DE" dirty="0" err="1"/>
+              <a:t>selbstkopplungen</a:t>
+            </a:r>
+            <a:r>
+              <a:rPr lang="de-DE" dirty="0"/>
+              <a:t> minimiere Potential und vergleiche Terme  </a:t>
             </a:r>
           </a:p>
           <a:p>
@@ -4935,7 +5108,7 @@
           <p:cNvPr id="2" name="Titel 1">
             <a:extLst>
               <a:ext uri="{FF2B5EF4-FFF2-40B4-BE49-F238E27FC236}">
-                <a16:creationId xmlns:a16="http://schemas.microsoft.com/office/drawing/2014/main" id="{E99493AC-350A-D541-8AA4-41D83913E475}"/>
+                <a16:creationId xmlns:a16="http://schemas.microsoft.com/office/drawing/2014/main" id="{F24A3A23-90DA-6D4F-9A25-A1C44ECA2AE0}"/>
               </a:ext>
             </a:extLst>
           </p:cNvPr>
@@ -4953,7 +5126,7 @@
           <a:p>
             <a:r>
               <a:rPr lang="de-DE" dirty="0"/>
-              <a:t>Einführung in den Erweiterten </a:t>
+              <a:t>Wiederholung SM </a:t>
             </a:r>
             <a:r>
               <a:rPr lang="de-DE" dirty="0" err="1"/>
@@ -4971,7 +5144,7 @@
           <p:cNvPr id="3" name="Inhaltsplatzhalter 2">
             <a:extLst>
               <a:ext uri="{FF2B5EF4-FFF2-40B4-BE49-F238E27FC236}">
-                <a16:creationId xmlns:a16="http://schemas.microsoft.com/office/drawing/2014/main" id="{C57E068B-A335-A240-8D38-A190ED0A000A}"/>
+                <a16:creationId xmlns:a16="http://schemas.microsoft.com/office/drawing/2014/main" id="{BD29DC5A-4A1E-7A44-A888-F62E66DFC371}"/>
               </a:ext>
             </a:extLst>
           </p:cNvPr>
@@ -4987,14 +5160,81 @@
           <a:bodyPr/>
           <a:lstStyle/>
           <a:p>
-            <a:endParaRPr lang="de-DE" dirty="0"/>
+            <a:r>
+              <a:rPr lang="de-DE" dirty="0"/>
+              <a:t>Alle Massen der SM-Teilchen21 (W±, Z, die geladenen Fermionen und das </a:t>
+            </a:r>
+            <a:r>
+              <a:rPr lang="de-DE" dirty="0" err="1"/>
+              <a:t>Higgs</a:t>
+            </a:r>
+            <a:r>
+              <a:rPr lang="de-DE" dirty="0"/>
+              <a:t> ab Sommer 2012) sind nun bekannt. Daher sind alle für die </a:t>
+            </a:r>
+            <a:r>
+              <a:rPr lang="de-DE" dirty="0" err="1"/>
+              <a:t>Higgs</a:t>
+            </a:r>
+            <a:r>
+              <a:rPr lang="de-DE" dirty="0"/>
+              <a:t>-</a:t>
+            </a:r>
+            <a:r>
+              <a:rPr lang="de-DE" dirty="0" err="1"/>
+              <a:t>Collider</a:t>
+            </a:r>
+            <a:r>
+              <a:rPr lang="de-DE" dirty="0"/>
+              <a:t>-Phänomenologie relevanten Kopplungen des </a:t>
+            </a:r>
+            <a:r>
+              <a:rPr lang="de-DE" dirty="0" err="1"/>
+              <a:t>Higgs-Bosons</a:t>
+            </a:r>
+            <a:r>
+              <a:rPr lang="de-DE" dirty="0"/>
+              <a:t> eindeutig vorhergesagt! Das bedeutet, dass jede Abweichung von diesen Vorhersagen in der </a:t>
+            </a:r>
+            <a:r>
+              <a:rPr lang="de-DE" dirty="0" err="1"/>
+              <a:t>Higgs</a:t>
+            </a:r>
+            <a:r>
+              <a:rPr lang="de-DE" dirty="0"/>
+              <a:t>-Phänomenologie einen Hinweis auf Physik jenseits des SM liefern würde. (Vor der </a:t>
+            </a:r>
+            <a:r>
+              <a:rPr lang="de-DE" dirty="0" err="1"/>
+              <a:t>Higgs</a:t>
+            </a:r>
+            <a:r>
+              <a:rPr lang="de-DE" dirty="0"/>
+              <a:t>-Entdeckung war </a:t>
+            </a:r>
+            <a:r>
+              <a:rPr lang="de-DE" dirty="0" err="1"/>
+              <a:t>mh</a:t>
+            </a:r>
+            <a:r>
+              <a:rPr lang="de-DE" dirty="0"/>
+              <a:t> der einzige unbekannte Parameter, und so wurden die Vorhersagen als eine Funktion von </a:t>
+            </a:r>
+            <a:r>
+              <a:rPr lang="de-DE" dirty="0" err="1"/>
+              <a:t>mh</a:t>
+            </a:r>
+            <a:r>
+              <a:rPr lang="de-DE" dirty="0"/>
+              <a:t> dargestellt).</a:t>
+            </a:r>
           </a:p>
         </p:txBody>
       </p:sp>
     </p:spTree>
     <p:extLst>
       <p:ext uri="{BB962C8B-B14F-4D97-AF65-F5344CB8AC3E}">
-        <p14:creationId xmlns:p14="http://schemas.microsoft.com/office/powerpoint/2010/main" val="3960553246"/>
+        <p14:creationId xmlns:p14="http://schemas.microsoft.com/office/powerpoint/2010/main" val="140252546"/>
       </p:ext>
     </p:extLst>
   </p:cSld>
@@ -5026,6 +5266,145 @@
           <p:cNvPr id="2" name="Titel 1">
             <a:extLst>
               <a:ext uri="{FF2B5EF4-FFF2-40B4-BE49-F238E27FC236}">
+                <a16:creationId xmlns:a16="http://schemas.microsoft.com/office/drawing/2014/main" id="{E99493AC-350A-D541-8AA4-41D83913E475}"/>
+              </a:ext>
+            </a:extLst>
+          </p:cNvPr>
+          <p:cNvSpPr>
+            <a:spLocks noGrp="1"/>
+          </p:cNvSpPr>
+          <p:nvPr>
+            <p:ph type="title"/>
+          </p:nvPr>
+        </p:nvSpPr>
+        <p:spPr/>
+        <p:txBody>
+          <a:bodyPr/>
+          <a:lstStyle/>
+          <a:p>
+            <a:r>
+              <a:rPr lang="de-DE" dirty="0"/>
+              <a:t>Einführung in den Erweiterten </a:t>
+            </a:r>
+            <a:r>
+              <a:rPr lang="de-DE" dirty="0" err="1"/>
+              <a:t>Higgs</a:t>
+            </a:r>
+            <a:r>
+              <a:rPr lang="de-DE" dirty="0"/>
+              <a:t> Sektor </a:t>
+            </a:r>
+          </a:p>
+        </p:txBody>
+      </p:sp>
+      <p:sp>
+        <p:nvSpPr>
+          <p:cNvPr id="3" name="Inhaltsplatzhalter 2">
+            <a:extLst>
+              <a:ext uri="{FF2B5EF4-FFF2-40B4-BE49-F238E27FC236}">
+                <a16:creationId xmlns:a16="http://schemas.microsoft.com/office/drawing/2014/main" id="{C57E068B-A335-A240-8D38-A190ED0A000A}"/>
+              </a:ext>
+            </a:extLst>
+          </p:cNvPr>
+          <p:cNvSpPr>
+            <a:spLocks noGrp="1"/>
+          </p:cNvSpPr>
+          <p:nvPr>
+            <p:ph idx="1"/>
+          </p:nvPr>
+        </p:nvSpPr>
+        <p:spPr/>
+        <p:txBody>
+          <a:bodyPr/>
+          <a:lstStyle/>
+          <a:p>
+            <a:r>
+              <a:rPr lang="de-DE" dirty="0"/>
+              <a:t>M enthält eine Reihe von Eigenschaften, die aufgrund der Einfachheit des SM "zufällig" auftreten, aber oft "von Hand" in Erweiterungen des SM konstruiert werden müssen, um mit den experimentellen Beschränkungen übereinzustimmen. </a:t>
+            </a:r>
+          </a:p>
+          <a:p>
+            <a:r>
+              <a:rPr lang="de-DE" dirty="0"/>
+              <a:t>Das wären zum </a:t>
+            </a:r>
+            <a:r>
+              <a:rPr lang="de-DE" dirty="0" err="1"/>
+              <a:t>beispiel</a:t>
+            </a:r>
+            <a:r>
+              <a:rPr lang="de-DE" dirty="0"/>
+              <a:t>: Eigenschaften des SM - die minimale </a:t>
+            </a:r>
+            <a:r>
+              <a:rPr lang="de-DE" dirty="0" err="1"/>
+              <a:t>Flavor</a:t>
+            </a:r>
+            <a:r>
+              <a:rPr lang="de-DE" dirty="0"/>
+              <a:t>-Verletzung und die </a:t>
+            </a:r>
+            <a:r>
+              <a:rPr lang="de-DE" dirty="0" err="1"/>
+              <a:t>custodiale</a:t>
+            </a:r>
+            <a:r>
+              <a:rPr lang="de-DE" dirty="0"/>
+              <a:t> SU(2)-Symmetrie - Erweiterungen des </a:t>
+            </a:r>
+            <a:r>
+              <a:rPr lang="de-DE" dirty="0" err="1"/>
+              <a:t>Higgs</a:t>
+            </a:r>
+            <a:r>
+              <a:rPr lang="de-DE" dirty="0"/>
+              <a:t>-Sektors, die diese Eigenschaften nicht automatisch erhalten.</a:t>
+            </a:r>
+          </a:p>
+          <a:p>
+            <a:endParaRPr lang="de-DE" dirty="0"/>
+          </a:p>
+          <a:p>
+            <a:pPr lvl="1"/>
+            <a:endParaRPr lang="de-DE" dirty="0"/>
+          </a:p>
+        </p:txBody>
+      </p:sp>
+    </p:spTree>
+    <p:extLst>
+      <p:ext uri="{BB962C8B-B14F-4D97-AF65-F5344CB8AC3E}">
+        <p14:creationId xmlns:p14="http://schemas.microsoft.com/office/powerpoint/2010/main" val="3960553246"/>
+      </p:ext>
+    </p:extLst>
+  </p:cSld>
+  <p:clrMapOvr>
+    <a:masterClrMapping/>
+  </p:clrMapOvr>
+</p:sld>
+</file>
+
+<file path=ppt/slides/slide14.xml><?xml version="1.0" encoding="utf-8"?>
+<p:sld xmlns:a="http://schemas.openxmlformats.org/drawingml/2006/main" xmlns:r="http://schemas.openxmlformats.org/officeDocument/2006/relationships" xmlns:p="http://schemas.openxmlformats.org/presentationml/2006/main">
+  <p:cSld>
+    <p:spTree>
+      <p:nvGrpSpPr>
+        <p:cNvPr id="1" name=""/>
+        <p:cNvGrpSpPr/>
+        <p:nvPr/>
+      </p:nvGrpSpPr>
+      <p:grpSpPr>
+        <a:xfrm>
+          <a:off x="0" y="0"/>
+          <a:ext cx="0" cy="0"/>
+          <a:chOff x="0" y="0"/>
+          <a:chExt cx="0" cy="0"/>
+        </a:xfrm>
+      </p:grpSpPr>
+      <p:sp>
+        <p:nvSpPr>
+          <p:cNvPr id="2" name="Titel 1">
+            <a:extLst>
+              <a:ext uri="{FF2B5EF4-FFF2-40B4-BE49-F238E27FC236}">
                 <a16:creationId xmlns:a16="http://schemas.microsoft.com/office/drawing/2014/main" id="{8A11C724-D0FD-7746-BCD3-31A02AB69E18}"/>
               </a:ext>
             </a:extLst>
@@ -5095,7 +5474,7 @@
 </p:sld>
 </file>
 
-<file path=ppt/slides/slide14.xml><?xml version="1.0" encoding="utf-8"?>
+<file path=ppt/slides/slide15.xml><?xml version="1.0" encoding="utf-8"?>
 <p:sld xmlns:a="http://schemas.openxmlformats.org/drawingml/2006/main" xmlns:r="http://schemas.openxmlformats.org/officeDocument/2006/relationships" xmlns:p="http://schemas.openxmlformats.org/presentationml/2006/main">
   <p:cSld>
     <p:spTree>

--- a/Präsentation2.pptx
+++ b/Präsentation2.pptx
@@ -5,7 +5,7 @@
     <p:sldMasterId id="2147483648" r:id="rId1"/>
   </p:sldMasterIdLst>
   <p:notesMasterIdLst>
-    <p:notesMasterId r:id="rId17"/>
+    <p:notesMasterId r:id="rId19"/>
   </p:notesMasterIdLst>
   <p:sldIdLst>
     <p:sldId id="256" r:id="rId2"/>
@@ -21,8 +21,10 @@
     <p:sldId id="269" r:id="rId12"/>
     <p:sldId id="270" r:id="rId13"/>
     <p:sldId id="259" r:id="rId14"/>
-    <p:sldId id="262" r:id="rId15"/>
-    <p:sldId id="260" r:id="rId16"/>
+    <p:sldId id="271" r:id="rId15"/>
+    <p:sldId id="262" r:id="rId16"/>
+    <p:sldId id="272" r:id="rId17"/>
+    <p:sldId id="260" r:id="rId18"/>
   </p:sldIdLst>
   <p:sldSz cx="12192000" cy="6858000"/>
   <p:notesSz cx="6858000" cy="9144000"/>
@@ -121,6 +123,11 @@
       </a:defRPr>
     </a:lvl9pPr>
   </p:defaultTextStyle>
+  <p:extLst>
+    <p:ext uri="{EFAFB233-063F-42B5-8137-9DF3F51BA10A}">
+      <p15:sldGuideLst xmlns:p15="http://schemas.microsoft.com/office/powerpoint/2012/main"/>
+    </p:ext>
+  </p:extLst>
 </p:presentation>
 </file>
 
@@ -206,7 +213,7 @@
           <a:p>
             <a:fld id="{4A22E525-121F-164E-B5DD-73D95D73A36F}" type="datetimeFigureOut">
               <a:rPr lang="de-DE" smtClean="0"/>
-              <a:t>22.06.21</a:t>
+              <a:t>24.06.21</a:t>
             </a:fld>
             <a:endParaRPr lang="de-DE"/>
           </a:p>
@@ -874,7 +881,7 @@
           <a:p>
             <a:fld id="{CFBE08A1-5DB9-5F4A-9B9E-52FF014EAD59}" type="slidenum">
               <a:rPr lang="de-DE" smtClean="0"/>
-              <a:t>15</a:t>
+              <a:t>17</a:t>
             </a:fld>
             <a:endParaRPr lang="de-DE"/>
           </a:p>
@@ -1040,7 +1047,7 @@
           <a:p>
             <a:fld id="{92548F1E-A7E8-F045-A7DC-87AE056CB236}" type="datetimeFigureOut">
               <a:rPr lang="de-DE" smtClean="0"/>
-              <a:t>22.06.21</a:t>
+              <a:t>24.06.21</a:t>
             </a:fld>
             <a:endParaRPr lang="de-DE"/>
           </a:p>
@@ -1238,7 +1245,7 @@
           <a:p>
             <a:fld id="{92548F1E-A7E8-F045-A7DC-87AE056CB236}" type="datetimeFigureOut">
               <a:rPr lang="de-DE" smtClean="0"/>
-              <a:t>22.06.21</a:t>
+              <a:t>24.06.21</a:t>
             </a:fld>
             <a:endParaRPr lang="de-DE"/>
           </a:p>
@@ -1446,7 +1453,7 @@
           <a:p>
             <a:fld id="{92548F1E-A7E8-F045-A7DC-87AE056CB236}" type="datetimeFigureOut">
               <a:rPr lang="de-DE" smtClean="0"/>
-              <a:t>22.06.21</a:t>
+              <a:t>24.06.21</a:t>
             </a:fld>
             <a:endParaRPr lang="de-DE"/>
           </a:p>
@@ -1644,7 +1651,7 @@
           <a:p>
             <a:fld id="{92548F1E-A7E8-F045-A7DC-87AE056CB236}" type="datetimeFigureOut">
               <a:rPr lang="de-DE" smtClean="0"/>
-              <a:t>22.06.21</a:t>
+              <a:t>24.06.21</a:t>
             </a:fld>
             <a:endParaRPr lang="de-DE"/>
           </a:p>
@@ -1919,7 +1926,7 @@
           <a:p>
             <a:fld id="{92548F1E-A7E8-F045-A7DC-87AE056CB236}" type="datetimeFigureOut">
               <a:rPr lang="de-DE" smtClean="0"/>
-              <a:t>22.06.21</a:t>
+              <a:t>24.06.21</a:t>
             </a:fld>
             <a:endParaRPr lang="de-DE"/>
           </a:p>
@@ -2184,7 +2191,7 @@
           <a:p>
             <a:fld id="{92548F1E-A7E8-F045-A7DC-87AE056CB236}" type="datetimeFigureOut">
               <a:rPr lang="de-DE" smtClean="0"/>
-              <a:t>22.06.21</a:t>
+              <a:t>24.06.21</a:t>
             </a:fld>
             <a:endParaRPr lang="de-DE"/>
           </a:p>
@@ -2596,7 +2603,7 @@
           <a:p>
             <a:fld id="{92548F1E-A7E8-F045-A7DC-87AE056CB236}" type="datetimeFigureOut">
               <a:rPr lang="de-DE" smtClean="0"/>
-              <a:t>22.06.21</a:t>
+              <a:t>24.06.21</a:t>
             </a:fld>
             <a:endParaRPr lang="de-DE"/>
           </a:p>
@@ -2737,7 +2744,7 @@
           <a:p>
             <a:fld id="{92548F1E-A7E8-F045-A7DC-87AE056CB236}" type="datetimeFigureOut">
               <a:rPr lang="de-DE" smtClean="0"/>
-              <a:t>22.06.21</a:t>
+              <a:t>24.06.21</a:t>
             </a:fld>
             <a:endParaRPr lang="de-DE"/>
           </a:p>
@@ -2850,7 +2857,7 @@
           <a:p>
             <a:fld id="{92548F1E-A7E8-F045-A7DC-87AE056CB236}" type="datetimeFigureOut">
               <a:rPr lang="de-DE" smtClean="0"/>
-              <a:t>22.06.21</a:t>
+              <a:t>24.06.21</a:t>
             </a:fld>
             <a:endParaRPr lang="de-DE"/>
           </a:p>
@@ -3161,7 +3168,7 @@
           <a:p>
             <a:fld id="{92548F1E-A7E8-F045-A7DC-87AE056CB236}" type="datetimeFigureOut">
               <a:rPr lang="de-DE" smtClean="0"/>
-              <a:t>22.06.21</a:t>
+              <a:t>24.06.21</a:t>
             </a:fld>
             <a:endParaRPr lang="de-DE"/>
           </a:p>
@@ -3449,7 +3456,7 @@
           <a:p>
             <a:fld id="{92548F1E-A7E8-F045-A7DC-87AE056CB236}" type="datetimeFigureOut">
               <a:rPr lang="de-DE" smtClean="0"/>
-              <a:t>22.06.21</a:t>
+              <a:t>24.06.21</a:t>
             </a:fld>
             <a:endParaRPr lang="de-DE"/>
           </a:p>
@@ -3690,7 +3697,7 @@
           <a:p>
             <a:fld id="{92548F1E-A7E8-F045-A7DC-87AE056CB236}" type="datetimeFigureOut">
               <a:rPr lang="de-DE" smtClean="0"/>
-              <a:t>22.06.21</a:t>
+              <a:t>24.06.21</a:t>
             </a:fld>
             <a:endParaRPr lang="de-DE"/>
           </a:p>
@@ -5315,12 +5322,14 @@
         </p:nvSpPr>
         <p:spPr/>
         <p:txBody>
-          <a:bodyPr/>
-          <a:lstStyle/>
-          <a:p>
-            <a:r>
-              <a:rPr lang="de-DE" dirty="0"/>
-              <a:t>M enthält eine Reihe von Eigenschaften, die aufgrund der Einfachheit des SM "zufällig" auftreten, aber oft "von Hand" in Erweiterungen des SM konstruiert werden müssen, um mit den experimentellen Beschränkungen übereinzustimmen. </a:t>
+          <a:bodyPr>
+            <a:normAutofit fontScale="85000" lnSpcReduction="10000"/>
+          </a:bodyPr>
+          <a:lstStyle/>
+          <a:p>
+            <a:r>
+              <a:rPr lang="de-DE" dirty="0"/>
+              <a:t>Man enthält eine Reihe von Eigenschaften, die aufgrund der Einfachheit des SM "zufällig" auftreten, aber oft "von Hand" in Erweiterungen des SM konstruiert werden müssen, um mit den experimentellen Beschränkungen übereinzustimmen. </a:t>
             </a:r>
           </a:p>
           <a:p>
@@ -5362,11 +5371,64 @@
             </a:r>
           </a:p>
           <a:p>
-            <a:endParaRPr lang="de-DE" dirty="0"/>
-          </a:p>
-          <a:p>
-            <a:pPr lvl="1"/>
-            <a:endParaRPr lang="de-DE" dirty="0"/>
+            <a:r>
+              <a:rPr lang="de-DE" dirty="0"/>
+              <a:t>Gäbe es keine Kopplung an Fermionen , besäße das SM eine globale U(3)5-Flavor</a:t>
+            </a:r>
+          </a:p>
+          <a:p>
+            <a:r>
+              <a:rPr lang="de-DE" dirty="0"/>
+              <a:t>Im SM wird diese große globale </a:t>
+            </a:r>
+            <a:r>
+              <a:rPr lang="de-DE" dirty="0" err="1"/>
+              <a:t>Flavor</a:t>
+            </a:r>
+            <a:r>
+              <a:rPr lang="de-DE" dirty="0"/>
+              <a:t>-Symmetrie explizit durch die Yukawa-Matrizen </a:t>
+            </a:r>
+            <a:r>
+              <a:rPr lang="de-DE" dirty="0" err="1"/>
+              <a:t>yu</a:t>
+            </a:r>
+            <a:r>
+              <a:rPr lang="de-DE" dirty="0"/>
+              <a:t> , </a:t>
+            </a:r>
+            <a:r>
+              <a:rPr lang="de-DE" dirty="0" err="1"/>
+              <a:t>yd</a:t>
+            </a:r>
+            <a:r>
+              <a:rPr lang="de-DE" dirty="0"/>
+              <a:t> und </a:t>
+            </a:r>
+            <a:r>
+              <a:rPr lang="de-DE" dirty="0" err="1"/>
+              <a:t>yl</a:t>
+            </a:r>
+            <a:r>
+              <a:rPr lang="de-DE" dirty="0"/>
+              <a:t> gebrochen. Erweiterungen des SM, in denen die globale </a:t>
+            </a:r>
+            <a:r>
+              <a:rPr lang="de-DE" dirty="0" err="1"/>
+              <a:t>Flavorsymmetrie</a:t>
+            </a:r>
+            <a:r>
+              <a:rPr lang="de-DE" dirty="0"/>
+              <a:t> Symmetrie nur noch durch diese drei Yukawa-Matrizen gebrochen wird, nennt man die Eigenschaft der minimalen </a:t>
+            </a:r>
+            <a:r>
+              <a:rPr lang="de-DE" dirty="0" err="1"/>
+              <a:t>Flavor</a:t>
+            </a:r>
+            <a:r>
+              <a:rPr lang="de-DE" dirty="0"/>
+              <a:t>-Verletzung.</a:t>
+            </a:r>
           </a:p>
         </p:txBody>
       </p:sp>
@@ -5405,6 +5467,151 @@
           <p:cNvPr id="2" name="Titel 1">
             <a:extLst>
               <a:ext uri="{FF2B5EF4-FFF2-40B4-BE49-F238E27FC236}">
+                <a16:creationId xmlns:a16="http://schemas.microsoft.com/office/drawing/2014/main" id="{BE3BC36D-DFB3-424B-88FE-B0EC7DA366D6}"/>
+              </a:ext>
+            </a:extLst>
+          </p:cNvPr>
+          <p:cNvSpPr>
+            <a:spLocks noGrp="1"/>
+          </p:cNvSpPr>
+          <p:nvPr>
+            <p:ph type="title"/>
+          </p:nvPr>
+        </p:nvSpPr>
+        <p:spPr/>
+        <p:txBody>
+          <a:bodyPr/>
+          <a:lstStyle/>
+          <a:p>
+            <a:r>
+              <a:rPr lang="de-DE" dirty="0"/>
+              <a:t>Einführung in die Erweiterten </a:t>
+            </a:r>
+            <a:r>
+              <a:rPr lang="de-DE" dirty="0" err="1"/>
+              <a:t>Higgs</a:t>
+            </a:r>
+            <a:r>
+              <a:rPr lang="de-DE" dirty="0"/>
+              <a:t> Sektoren </a:t>
+            </a:r>
+          </a:p>
+        </p:txBody>
+      </p:sp>
+      <p:sp>
+        <p:nvSpPr>
+          <p:cNvPr id="3" name="Inhaltsplatzhalter 2">
+            <a:extLst>
+              <a:ext uri="{FF2B5EF4-FFF2-40B4-BE49-F238E27FC236}">
+                <a16:creationId xmlns:a16="http://schemas.microsoft.com/office/drawing/2014/main" id="{D714D54C-EEE9-A64B-A966-1A2133721498}"/>
+              </a:ext>
+            </a:extLst>
+          </p:cNvPr>
+          <p:cNvSpPr>
+            <a:spLocks noGrp="1"/>
+          </p:cNvSpPr>
+          <p:nvPr>
+            <p:ph idx="1"/>
+          </p:nvPr>
+        </p:nvSpPr>
+        <p:spPr/>
+        <p:txBody>
+          <a:bodyPr/>
+          <a:lstStyle/>
+          <a:p>
+            <a:r>
+              <a:rPr lang="de-DE" dirty="0"/>
+              <a:t>Modelle dieser Klasse neigen dazu, die </a:t>
+            </a:r>
+            <a:r>
+              <a:rPr lang="de-DE" dirty="0" err="1"/>
+              <a:t>Flavor</a:t>
+            </a:r>
+            <a:r>
+              <a:rPr lang="de-DE" dirty="0"/>
+              <a:t>-Beschränkungen zu erfüllen (z. B. </a:t>
+            </a:r>
+            <a:r>
+              <a:rPr lang="de-DE" dirty="0" err="1"/>
+              <a:t>Kaon</a:t>
+            </a:r>
+            <a:r>
+              <a:rPr lang="de-DE" dirty="0"/>
+              <a:t>-, B-Meson- und D-Meson-Oszillationen und -Zerfälle, </a:t>
+            </a:r>
+            <a:r>
+              <a:rPr lang="el-GR" dirty="0"/>
+              <a:t>μ → </a:t>
+            </a:r>
+            <a:r>
+              <a:rPr lang="de-DE" dirty="0" err="1"/>
+              <a:t>e</a:t>
+            </a:r>
+            <a:r>
+              <a:rPr lang="el-GR" dirty="0"/>
+              <a:t>γ </a:t>
+            </a:r>
+            <a:r>
+              <a:rPr lang="de-DE" dirty="0"/>
+              <a:t>usw.), ohne dass die Parameter zu stark abgestimmt werden müssen. Modelle, die neue, nicht-minimale Quellen der </a:t>
+            </a:r>
+            <a:r>
+              <a:rPr lang="de-DE" dirty="0" err="1"/>
+              <a:t>Flavor</a:t>
+            </a:r>
+            <a:r>
+              <a:rPr lang="de-DE" dirty="0"/>
+              <a:t>-Verletzung enthalten, neigen stattdessen zu einer groben Verletzung der experimentellen Einschränkungen, es sei denn, sie sind stark abgestimmt, um die Einschränkungen zu umgehen. Dies macht die minimale </a:t>
+            </a:r>
+            <a:r>
+              <a:rPr lang="de-DE" dirty="0" err="1"/>
+              <a:t>Flavor</a:t>
+            </a:r>
+            <a:r>
+              <a:rPr lang="de-DE" dirty="0"/>
+              <a:t>-Verletzung zu einem attraktiven Prinzip, das bei der Modellbildung eingesetzt werden kann.</a:t>
+            </a:r>
+          </a:p>
+          <a:p>
+            <a:endParaRPr lang="de-DE" dirty="0"/>
+          </a:p>
+        </p:txBody>
+      </p:sp>
+    </p:spTree>
+    <p:extLst>
+      <p:ext uri="{BB962C8B-B14F-4D97-AF65-F5344CB8AC3E}">
+        <p14:creationId xmlns:p14="http://schemas.microsoft.com/office/powerpoint/2010/main" val="1277120982"/>
+      </p:ext>
+    </p:extLst>
+  </p:cSld>
+  <p:clrMapOvr>
+    <a:masterClrMapping/>
+  </p:clrMapOvr>
+</p:sld>
+</file>
+
+<file path=ppt/slides/slide15.xml><?xml version="1.0" encoding="utf-8"?>
+<p:sld xmlns:a="http://schemas.openxmlformats.org/drawingml/2006/main" xmlns:r="http://schemas.openxmlformats.org/officeDocument/2006/relationships" xmlns:p="http://schemas.openxmlformats.org/presentationml/2006/main">
+  <p:cSld>
+    <p:spTree>
+      <p:nvGrpSpPr>
+        <p:cNvPr id="1" name=""/>
+        <p:cNvGrpSpPr/>
+        <p:nvPr/>
+      </p:nvGrpSpPr>
+      <p:grpSpPr>
+        <a:xfrm>
+          <a:off x="0" y="0"/>
+          <a:ext cx="0" cy="0"/>
+          <a:chOff x="0" y="0"/>
+          <a:chExt cx="0" cy="0"/>
+        </a:xfrm>
+      </p:grpSpPr>
+      <p:sp>
+        <p:nvSpPr>
+          <p:cNvPr id="2" name="Titel 1">
+            <a:extLst>
+              <a:ext uri="{FF2B5EF4-FFF2-40B4-BE49-F238E27FC236}">
                 <a16:creationId xmlns:a16="http://schemas.microsoft.com/office/drawing/2014/main" id="{8A11C724-D0FD-7746-BCD3-31A02AB69E18}"/>
               </a:ext>
             </a:extLst>
@@ -5454,13 +5661,163 @@
         </p:nvSpPr>
         <p:spPr/>
         <p:txBody>
-          <a:bodyPr/>
-          <a:lstStyle/>
+          <a:bodyPr>
+            <a:normAutofit fontScale="70000" lnSpcReduction="20000"/>
+          </a:bodyPr>
+          <a:lstStyle/>
+          <a:p>
+            <a:r>
+              <a:rPr lang="de-DE" dirty="0"/>
+              <a:t>Konsequenz der nicht minimalen </a:t>
+            </a:r>
+            <a:r>
+              <a:rPr lang="de-DE" dirty="0" err="1"/>
+              <a:t>Flavour</a:t>
+            </a:r>
+            <a:r>
+              <a:rPr lang="de-DE" dirty="0"/>
+              <a:t>-Verletzung illustriert am Zwei </a:t>
+            </a:r>
+            <a:r>
+              <a:rPr lang="de-DE" dirty="0" err="1"/>
+              <a:t>Higgs</a:t>
+            </a:r>
+            <a:r>
+              <a:rPr lang="de-DE" dirty="0"/>
+              <a:t> Duplett Modell dabei haben Felder Hypercharge Y=1/2 </a:t>
+            </a:r>
+          </a:p>
           <a:p>
             <a:endParaRPr lang="de-DE" dirty="0"/>
           </a:p>
-        </p:txBody>
-      </p:sp>
+          <a:p>
+            <a:endParaRPr lang="de-DE" dirty="0"/>
+          </a:p>
+          <a:p>
+            <a:endParaRPr lang="de-DE" dirty="0"/>
+          </a:p>
+          <a:p>
+            <a:endParaRPr lang="de-DE" dirty="0"/>
+          </a:p>
+          <a:p>
+            <a:endParaRPr lang="de-DE" dirty="0"/>
+          </a:p>
+          <a:p>
+            <a:endParaRPr lang="de-DE" dirty="0"/>
+          </a:p>
+          <a:p>
+            <a:endParaRPr lang="de-DE" dirty="0"/>
+          </a:p>
+          <a:p>
+            <a:r>
+              <a:rPr lang="de-DE" dirty="0"/>
+              <a:t>Hier haben wir bereits zwei Annahmen getroffen:</a:t>
+            </a:r>
+          </a:p>
+          <a:p>
+            <a:pPr lvl="1"/>
+            <a:r>
+              <a:rPr lang="de-DE" dirty="0"/>
+              <a:t> Dass v1 und v2 beide in den neutralen Komponenten von </a:t>
+            </a:r>
+            <a:r>
+              <a:rPr lang="el-GR" dirty="0"/>
+              <a:t>Φ1 </a:t>
+            </a:r>
+            <a:r>
+              <a:rPr lang="de-DE" dirty="0"/>
+              <a:t>und </a:t>
+            </a:r>
+            <a:r>
+              <a:rPr lang="el-GR" dirty="0"/>
+              <a:t>Φ2 </a:t>
+            </a:r>
+            <a:r>
+              <a:rPr lang="de-DE" dirty="0"/>
+              <a:t>liegen: dies ist essentiell, um eine Verletzung der Eichsymmetrie des Elektromagnetismus zu vermeiden!</a:t>
+            </a:r>
+          </a:p>
+          <a:p>
+            <a:pPr lvl="1"/>
+            <a:r>
+              <a:rPr lang="de-DE" dirty="0"/>
+              <a:t> Dass v1 und v2 beide real sind: Dies ist eine Annahme, dass es keine CP-Verletzung im skalaren Sektor gibt. Sie ist nicht unbedingt erforderlich</a:t>
+            </a:r>
+          </a:p>
+          <a:p>
+            <a:pPr marL="0" indent="0">
+              <a:buNone/>
+            </a:pPr>
+            <a:endParaRPr lang="de-DE" dirty="0"/>
+          </a:p>
+          <a:p>
+            <a:endParaRPr lang="de-DE" dirty="0"/>
+          </a:p>
+          <a:p>
+            <a:endParaRPr lang="de-DE" dirty="0"/>
+          </a:p>
+        </p:txBody>
+      </p:sp>
+      <p:pic>
+        <p:nvPicPr>
+          <p:cNvPr id="5" name="Grafik 4">
+            <a:extLst>
+              <a:ext uri="{FF2B5EF4-FFF2-40B4-BE49-F238E27FC236}">
+                <a16:creationId xmlns:a16="http://schemas.microsoft.com/office/drawing/2014/main" id="{BC9172F0-1504-E340-BF48-F3DD294C6F34}"/>
+              </a:ext>
+            </a:extLst>
+          </p:cNvPr>
+          <p:cNvPicPr>
+            <a:picLocks/>
+          </p:cNvPicPr>
+          <p:nvPr/>
+        </p:nvPicPr>
+        <p:blipFill>
+          <a:blip r:embed="rId2"/>
+          <a:stretch>
+            <a:fillRect/>
+          </a:stretch>
+        </p:blipFill>
+        <p:spPr>
+          <a:xfrm>
+            <a:off x="4137286" y="2806700"/>
+            <a:ext cx="2781300" cy="622300"/>
+          </a:xfrm>
+          <a:prstGeom prst="rect">
+            <a:avLst/>
+          </a:prstGeom>
+        </p:spPr>
+      </p:pic>
+      <p:pic>
+        <p:nvPicPr>
+          <p:cNvPr id="6" name="Grafik 5">
+            <a:extLst>
+              <a:ext uri="{FF2B5EF4-FFF2-40B4-BE49-F238E27FC236}">
+                <a16:creationId xmlns:a16="http://schemas.microsoft.com/office/drawing/2014/main" id="{3AC04CBA-8CB4-A84E-9FCB-C027E064D844}"/>
+              </a:ext>
+            </a:extLst>
+          </p:cNvPr>
+          <p:cNvPicPr>
+            <a:picLocks/>
+          </p:cNvPicPr>
+          <p:nvPr/>
+        </p:nvPicPr>
+        <p:blipFill>
+          <a:blip r:embed="rId3"/>
+          <a:stretch>
+            <a:fillRect/>
+          </a:stretch>
+        </p:blipFill>
+        <p:spPr>
+          <a:xfrm>
+            <a:off x="3413386" y="3563937"/>
+            <a:ext cx="4229100" cy="1168400"/>
+          </a:xfrm>
+          <a:prstGeom prst="rect">
+            <a:avLst/>
+          </a:prstGeom>
+        </p:spPr>
+      </p:pic>
     </p:spTree>
     <p:extLst>
       <p:ext uri="{BB962C8B-B14F-4D97-AF65-F5344CB8AC3E}">
@@ -5474,7 +5831,184 @@
 </p:sld>
 </file>
 
-<file path=ppt/slides/slide15.xml><?xml version="1.0" encoding="utf-8"?>
+<file path=ppt/slides/slide16.xml><?xml version="1.0" encoding="utf-8"?>
+<p:sld xmlns:a="http://schemas.openxmlformats.org/drawingml/2006/main" xmlns:r="http://schemas.openxmlformats.org/officeDocument/2006/relationships" xmlns:p="http://schemas.openxmlformats.org/presentationml/2006/main">
+  <p:cSld>
+    <p:spTree>
+      <p:nvGrpSpPr>
+        <p:cNvPr id="1" name=""/>
+        <p:cNvGrpSpPr/>
+        <p:nvPr/>
+      </p:nvGrpSpPr>
+      <p:grpSpPr>
+        <a:xfrm>
+          <a:off x="0" y="0"/>
+          <a:ext cx="0" cy="0"/>
+          <a:chOff x="0" y="0"/>
+          <a:chExt cx="0" cy="0"/>
+        </a:xfrm>
+      </p:grpSpPr>
+      <p:sp>
+        <p:nvSpPr>
+          <p:cNvPr id="2" name="Titel 1">
+            <a:extLst>
+              <a:ext uri="{FF2B5EF4-FFF2-40B4-BE49-F238E27FC236}">
+                <a16:creationId xmlns:a16="http://schemas.microsoft.com/office/drawing/2014/main" id="{EDACAC85-C1E6-6941-8216-B8FC74989522}"/>
+              </a:ext>
+            </a:extLst>
+          </p:cNvPr>
+          <p:cNvSpPr>
+            <a:spLocks noGrp="1"/>
+          </p:cNvSpPr>
+          <p:nvPr>
+            <p:ph type="title"/>
+          </p:nvPr>
+        </p:nvSpPr>
+        <p:spPr/>
+        <p:txBody>
+          <a:bodyPr/>
+          <a:lstStyle/>
+          <a:p>
+            <a:r>
+              <a:rPr lang="de-DE" dirty="0"/>
+              <a:t>Beispiel eines erweiterten </a:t>
+            </a:r>
+            <a:r>
+              <a:rPr lang="de-DE" dirty="0" err="1"/>
+              <a:t>Higgs</a:t>
+            </a:r>
+            <a:r>
+              <a:rPr lang="de-DE" dirty="0"/>
+              <a:t> </a:t>
+            </a:r>
+            <a:r>
+              <a:rPr lang="de-DE" dirty="0" err="1"/>
+              <a:t>sectors</a:t>
+            </a:r>
+            <a:endParaRPr lang="de-DE" dirty="0"/>
+          </a:p>
+        </p:txBody>
+      </p:sp>
+      <p:sp>
+        <p:nvSpPr>
+          <p:cNvPr id="3" name="Inhaltsplatzhalter 2">
+            <a:extLst>
+              <a:ext uri="{FF2B5EF4-FFF2-40B4-BE49-F238E27FC236}">
+                <a16:creationId xmlns:a16="http://schemas.microsoft.com/office/drawing/2014/main" id="{F154C1EC-143B-4C44-86BC-49AA00620CB2}"/>
+              </a:ext>
+            </a:extLst>
+          </p:cNvPr>
+          <p:cNvSpPr>
+            <a:spLocks noGrp="1"/>
+          </p:cNvSpPr>
+          <p:nvPr>
+            <p:ph idx="1"/>
+          </p:nvPr>
+        </p:nvSpPr>
+        <p:spPr/>
+        <p:txBody>
+          <a:bodyPr/>
+          <a:lstStyle/>
+          <a:p>
+            <a:r>
+              <a:rPr lang="de-DE" dirty="0"/>
+              <a:t>Enthält zwei komplexe geladene skalare +-  zwei CP gerade reelle skalare h und zwei CP </a:t>
+            </a:r>
+            <a:r>
+              <a:rPr lang="de-DE" dirty="0" err="1"/>
+              <a:t>unngerade</a:t>
+            </a:r>
+            <a:r>
+              <a:rPr lang="de-DE" dirty="0"/>
+              <a:t> reelle skalare. Geladenes und CP </a:t>
+            </a:r>
+            <a:r>
+              <a:rPr lang="de-DE" dirty="0" err="1"/>
+              <a:t>Odd</a:t>
+            </a:r>
+            <a:r>
+              <a:rPr lang="de-DE" dirty="0"/>
+              <a:t> reelle skalare sind Goldstone Bosonen und können </a:t>
+            </a:r>
+            <a:r>
+              <a:rPr lang="de-DE" dirty="0" err="1"/>
+              <a:t>weggeicht</a:t>
+            </a:r>
+            <a:r>
+              <a:rPr lang="de-DE" dirty="0"/>
+              <a:t> werden </a:t>
+            </a:r>
+          </a:p>
+          <a:p>
+            <a:r>
+              <a:rPr lang="de-DE" dirty="0"/>
+              <a:t>Um Goldstone Bosonen zu finden: Potential ausschreiben, </a:t>
+            </a:r>
+            <a:r>
+              <a:rPr lang="de-DE" dirty="0" err="1"/>
+              <a:t>minimierungsbedingung</a:t>
+            </a:r>
+            <a:r>
+              <a:rPr lang="de-DE" dirty="0"/>
+              <a:t> nutzen </a:t>
+            </a:r>
+            <a:r>
+              <a:rPr lang="de-DE" dirty="0" err="1"/>
+              <a:t>quaratische</a:t>
+            </a:r>
+            <a:r>
+              <a:rPr lang="de-DE" dirty="0"/>
+              <a:t> Terme isolieren </a:t>
+            </a:r>
+            <a:r>
+              <a:rPr lang="de-DE" dirty="0" err="1"/>
+              <a:t>Massenmatritzen</a:t>
+            </a:r>
+            <a:r>
+              <a:rPr lang="de-DE" dirty="0"/>
+              <a:t> aufschreiben und am Ende diese </a:t>
+            </a:r>
+            <a:r>
+              <a:rPr lang="de-DE" dirty="0" err="1"/>
+              <a:t>Matritzen</a:t>
+            </a:r>
+            <a:r>
+              <a:rPr lang="de-DE" dirty="0"/>
+              <a:t> </a:t>
+            </a:r>
+            <a:r>
+              <a:rPr lang="de-DE" dirty="0" err="1"/>
+              <a:t>diagonalisieren</a:t>
+            </a:r>
+            <a:r>
+              <a:rPr lang="de-DE" dirty="0"/>
+              <a:t> Eigenzustände mit verschwindendem </a:t>
+            </a:r>
+            <a:r>
+              <a:rPr lang="de-DE" dirty="0" err="1"/>
+              <a:t>Eigenenwert</a:t>
+            </a:r>
+            <a:r>
+              <a:rPr lang="de-DE" dirty="0"/>
+              <a:t>(Masse Null ) wären die Goldstone Bosonen</a:t>
+            </a:r>
+          </a:p>
+        </p:txBody>
+      </p:sp>
+    </p:spTree>
+    <p:extLst>
+      <p:ext uri="{BB962C8B-B14F-4D97-AF65-F5344CB8AC3E}">
+        <p14:creationId xmlns:p14="http://schemas.microsoft.com/office/powerpoint/2010/main" val="3269286036"/>
+      </p:ext>
+    </p:extLst>
+  </p:cSld>
+  <p:clrMapOvr>
+    <a:masterClrMapping/>
+  </p:clrMapOvr>
+</p:sld>
+</file>
+
+<file path=ppt/slides/slide17.xml><?xml version="1.0" encoding="utf-8"?>
 <p:sld xmlns:a="http://schemas.openxmlformats.org/drawingml/2006/main" xmlns:r="http://schemas.openxmlformats.org/officeDocument/2006/relationships" xmlns:p="http://schemas.openxmlformats.org/presentationml/2006/main">
   <p:cSld>
     <p:spTree>
@@ -8156,8 +8690,8 @@
   </we:alternateReferences>
   <we:properties>
     <we:property name="anonymousId" value="&quot;&quot;"/>
-    <we:property name="mathList" value="[{&quot;id&quot;:&quot;1&quot;,&quot;code&quot;:&quot;$$L_{Eich=-\\frac{1}{4}G_{\\mu \\nu}^{a}G^{a\\mu \\nu }-\\frac{1}{4}W_{\\mu \\nu}^{a}W^{a\\mu \\nu}-\\frac{1}{4}B_{\\mu \\nu}B^{\\mu \\nu}}$$&quot;,&quot;font&quot;:{&quot;size&quot;:18,&quot;family&quot;:&quot;Arial&quot;,&quot;color&quot;:&quot;black&quot;},&quot;type&quot;:&quot;$$&quot;},{&quot;id&quot;:&quot;1&quot;,&quot;code&quot;:&quot;$D_{\\mu}=\\,\\partial_{\\mu}-ig_{Y}B_{\\mu}Y-i\\,g_{L}W_{\\mu }^{a}T^{a}-ig_{C}G_{\\mu}^{a}t^{a}$&quot;,&quot;font&quot;:{&quot;size&quot;:12,&quot;family&quot;:&quot;Arial&quot;,&quot;color&quot;:&quot;black&quot;},&quot;type&quot;:&quot;$&quot;},{&quot;id&quot;:&quot;1&quot;,&quot;code&quot;:&quot;$SU\\left(2\\right)_{L}\\times U\\left(1\\right)_{Y}$&quot;,&quot;font&quot;:{&quot;size&quot;:12,&quot;family&quot;:&quot;Arial&quot;,&quot;color&quot;:&quot;black&quot;},&quot;type&quot;:&quot;$&quot;},{&quot;id&quot;:&quot;1&quot;,&quot;code&quot;:&quot;$\\Phi=\\begin{pmatrix}\n{\\Phi^{+}}\\\\\n{\\Phi^{0}}\\\\\n\\end{pmatrix}=\\begin{pmatrix}\n{\\Phi_{1\\,}+i\\Phi_{2\\,}}\\\\\n{\\Phi_{3\\,}+i\\,\\Phi_{4}}\\\\\n\\end{pmatrix}$&quot;,&quot;font&quot;:{&quot;size&quot;:12,&quot;family&quot;:&quot;Arial&quot;,&quot;color&quot;:&quot;black&quot;},&quot;type&quot;:&quot;$&quot;},{&quot;id&quot;:&quot;1&quot;,&quot;code&quot;:&quot;$L_{\\Phi}=\\,\\left(D_{\\mu}\\Phi\\right)^{\\dagger}\\left(D^{\\mu }\\Phi\\right)-V\\left(\\Phi\\right)+L_{Yukawa}$&quot;,&quot;font&quot;:{&quot;size&quot;:12,&quot;family&quot;:&quot;Arial&quot;,&quot;color&quot;:&quot;black&quot;},&quot;type&quot;:&quot;$&quot;}]"/>
-    <we:property name="sidebarState" value="&quot;[true,true,true,true]&quot;"/>
+    <we:property name="mathList" value="[{&quot;id&quot;:&quot;1&quot;,&quot;code&quot;:&quot;$SU\\left(2\\right)_{L}\\times U\\left(1\\right)_{Y}$&quot;,&quot;font&quot;:{&quot;size&quot;:12,&quot;family&quot;:&quot;Arial&quot;,&quot;color&quot;:&quot;black&quot;},&quot;type&quot;:&quot;$&quot;},{&quot;id&quot;:&quot;1&quot;,&quot;code&quot;:&quot;$\\Phi=\\begin{pmatrix}\n{\\Phi^{+}}\\\\\n{\\Phi^{0}}\\\\\n\\end{pmatrix}=\\begin{pmatrix}\n{\\Phi_{1\\,}+i\\Phi_{2\\,}}\\\\\n{\\Phi_{3\\,}+i\\,\\Phi_{4}}\\\\\n\\end{pmatrix}$&quot;,&quot;font&quot;:{&quot;size&quot;:12,&quot;family&quot;:&quot;Arial&quot;,&quot;color&quot;:&quot;black&quot;},&quot;type&quot;:&quot;$&quot;},{&quot;id&quot;:&quot;1&quot;,&quot;code&quot;:&quot;$L_{\\Phi}=\\,\\left(D_{\\mu}\\Phi\\right)^{\\dagger}\\left(D^{\\mu }\\Phi\\right)-V\\left(\\Phi\\right)+L_{Yukawa}$&quot;,&quot;font&quot;:{&quot;size&quot;:12,&quot;family&quot;:&quot;Arial&quot;,&quot;color&quot;:&quot;black&quot;},&quot;type&quot;:&quot;$&quot;},{&quot;id&quot;:&quot;1&quot;,&quot;code&quot;:&quot;$\\Phi_{1}=\\begin{pmatrix}\n{\\Phi_{1}^{+}}\\\\\n{\\Phi_{1}^{0}}\\\\\n\\end{pmatrix}\\,\\,\\,\\,\\,\\,\\,\\Phi_{2}=\\begin{pmatrix}\n{\\Phi_{2}^{+}}\\\\\n{\\Phi_{2}^{0}}\\\\\n\\end{pmatrix}$&quot;,&quot;font&quot;:{&quot;size&quot;:12,&quot;family&quot;:&quot;Arial&quot;,&quot;color&quot;:&quot;black&quot;},&quot;type&quot;:&quot;$&quot;},{&quot;id&quot;:&quot;1&quot;,&quot;code&quot;:&quot;$\\Phi_{j}=\\begin{pmatrix}\n{\\Phi_{j}^{+}}\\\\\n{\\Phi_{j}^{0}}\\\\\n\\end{pmatrix}=\\begin{pmatrix}\n{\\Phi_{j}^{+}}\\\\\n{\\frac{h_{j}+v_{j}+ia_{j}}{{\\sqrt[]{2}}}}\\\\\n\\end{pmatrix}$&quot;,&quot;font&quot;:{&quot;size&quot;:18,&quot;family&quot;:&quot;Arial&quot;,&quot;color&quot;:&quot;black&quot;},&quot;type&quot;:&quot;$&quot;}]"/>
+    <we:property name="sidebarState" value="&quot;[false,true,true,true]&quot;"/>
     <we:property name="userEmail" value="&quot;&quot;"/>
   </we:properties>
   <we:bindings/>
